--- a/prezentace/obhajoba_prezentace_kettner.pptx
+++ b/prezentace/obhajoba_prezentace_kettner.pptx
@@ -5,28 +5,30 @@
     <p:sldMasterId id="2147484056" r:id="rId1"/>
   </p:sldMasterIdLst>
   <p:notesMasterIdLst>
-    <p:notesMasterId r:id="rId21"/>
+    <p:notesMasterId r:id="rId23"/>
   </p:notesMasterIdLst>
   <p:sldIdLst>
     <p:sldId id="256" r:id="rId2"/>
     <p:sldId id="274" r:id="rId3"/>
     <p:sldId id="257" r:id="rId4"/>
-    <p:sldId id="267" r:id="rId5"/>
-    <p:sldId id="265" r:id="rId6"/>
-    <p:sldId id="276" r:id="rId7"/>
-    <p:sldId id="277" r:id="rId8"/>
-    <p:sldId id="275" r:id="rId9"/>
-    <p:sldId id="266" r:id="rId10"/>
-    <p:sldId id="262" r:id="rId11"/>
-    <p:sldId id="261" r:id="rId12"/>
-    <p:sldId id="260" r:id="rId13"/>
-    <p:sldId id="258" r:id="rId14"/>
-    <p:sldId id="259" r:id="rId15"/>
-    <p:sldId id="271" r:id="rId16"/>
-    <p:sldId id="272" r:id="rId17"/>
-    <p:sldId id="278" r:id="rId18"/>
-    <p:sldId id="268" r:id="rId19"/>
-    <p:sldId id="269" r:id="rId20"/>
+    <p:sldId id="279" r:id="rId5"/>
+    <p:sldId id="267" r:id="rId6"/>
+    <p:sldId id="265" r:id="rId7"/>
+    <p:sldId id="276" r:id="rId8"/>
+    <p:sldId id="277" r:id="rId9"/>
+    <p:sldId id="275" r:id="rId10"/>
+    <p:sldId id="266" r:id="rId11"/>
+    <p:sldId id="262" r:id="rId12"/>
+    <p:sldId id="280" r:id="rId13"/>
+    <p:sldId id="261" r:id="rId14"/>
+    <p:sldId id="260" r:id="rId15"/>
+    <p:sldId id="258" r:id="rId16"/>
+    <p:sldId id="259" r:id="rId17"/>
+    <p:sldId id="271" r:id="rId18"/>
+    <p:sldId id="272" r:id="rId19"/>
+    <p:sldId id="278" r:id="rId20"/>
+    <p:sldId id="268" r:id="rId21"/>
+    <p:sldId id="269" r:id="rId22"/>
   </p:sldIdLst>
   <p:sldSz cx="9144000" cy="6858000" type="screen4x3"/>
   <p:notesSz cx="6858000" cy="9144000"/>
@@ -211,7 +213,7 @@
             <a:fld id="{63DE44C9-1664-466A-9032-388A066FE871}" type="datetimeFigureOut">
               <a:rPr lang="cs-CZ" smtClean="0"/>
               <a:pPr/>
-              <a:t>4.2.2018</a:t>
+              <a:t>5.2.2018</a:t>
             </a:fld>
             <a:endParaRPr lang="cs-CZ"/>
           </a:p>
@@ -749,7 +751,7 @@
             <a:fld id="{424E8B5E-1F19-4998-897D-3ADF3463473D}" type="slidenum">
               <a:rPr lang="cs-CZ" smtClean="0"/>
               <a:pPr/>
-              <a:t>4</a:t>
+              <a:t>5</a:t>
             </a:fld>
             <a:endParaRPr lang="cs-CZ"/>
           </a:p>
@@ -854,7 +856,7 @@
             <a:fld id="{424E8B5E-1F19-4998-897D-3ADF3463473D}" type="slidenum">
               <a:rPr lang="cs-CZ" smtClean="0"/>
               <a:pPr/>
-              <a:t>9</a:t>
+              <a:t>10</a:t>
             </a:fld>
             <a:endParaRPr lang="cs-CZ"/>
           </a:p>
@@ -940,7 +942,7 @@
             <a:fld id="{424E8B5E-1F19-4998-897D-3ADF3463473D}" type="slidenum">
               <a:rPr lang="cs-CZ" smtClean="0"/>
               <a:pPr/>
-              <a:t>13</a:t>
+              <a:t>15</a:t>
             </a:fld>
             <a:endParaRPr lang="cs-CZ"/>
           </a:p>
@@ -1030,7 +1032,7 @@
             <a:fld id="{424E8B5E-1F19-4998-897D-3ADF3463473D}" type="slidenum">
               <a:rPr lang="cs-CZ" smtClean="0"/>
               <a:pPr/>
-              <a:t>15</a:t>
+              <a:t>17</a:t>
             </a:fld>
             <a:endParaRPr lang="cs-CZ"/>
           </a:p>
@@ -1120,7 +1122,7 @@
             <a:fld id="{424E8B5E-1F19-4998-897D-3ADF3463473D}" type="slidenum">
               <a:rPr lang="cs-CZ" smtClean="0"/>
               <a:pPr/>
-              <a:t>16</a:t>
+              <a:t>18</a:t>
             </a:fld>
             <a:endParaRPr lang="cs-CZ"/>
           </a:p>
@@ -1426,7 +1428,7 @@
             <a:fld id="{326E8695-2CE7-41E2-A90C-4285F3AD207C}" type="datetimeFigureOut">
               <a:rPr lang="cs-CZ" smtClean="0"/>
               <a:pPr/>
-              <a:t>4.2.2018</a:t>
+              <a:t>5.2.2018</a:t>
             </a:fld>
             <a:endParaRPr lang="cs-CZ"/>
           </a:p>
@@ -1619,7 +1621,7 @@
             <a:fld id="{326E8695-2CE7-41E2-A90C-4285F3AD207C}" type="datetimeFigureOut">
               <a:rPr lang="cs-CZ" smtClean="0"/>
               <a:pPr/>
-              <a:t>4.2.2018</a:t>
+              <a:t>5.2.2018</a:t>
             </a:fld>
             <a:endParaRPr lang="cs-CZ"/>
           </a:p>
@@ -1806,7 +1808,7 @@
             <a:fld id="{326E8695-2CE7-41E2-A90C-4285F3AD207C}" type="datetimeFigureOut">
               <a:rPr lang="cs-CZ" smtClean="0"/>
               <a:pPr/>
-              <a:t>4.2.2018</a:t>
+              <a:t>5.2.2018</a:t>
             </a:fld>
             <a:endParaRPr lang="cs-CZ"/>
           </a:p>
@@ -2071,7 +2073,7 @@
             <a:fld id="{326E8695-2CE7-41E2-A90C-4285F3AD207C}" type="datetimeFigureOut">
               <a:rPr lang="cs-CZ" smtClean="0"/>
               <a:pPr/>
-              <a:t>4.2.2018</a:t>
+              <a:t>5.2.2018</a:t>
             </a:fld>
             <a:endParaRPr lang="cs-CZ"/>
           </a:p>
@@ -2489,7 +2491,7 @@
             <a:fld id="{326E8695-2CE7-41E2-A90C-4285F3AD207C}" type="datetimeFigureOut">
               <a:rPr lang="cs-CZ" smtClean="0"/>
               <a:pPr/>
-              <a:t>4.2.2018</a:t>
+              <a:t>5.2.2018</a:t>
             </a:fld>
             <a:endParaRPr lang="cs-CZ"/>
           </a:p>
@@ -2733,7 +2735,7 @@
             <a:fld id="{326E8695-2CE7-41E2-A90C-4285F3AD207C}" type="datetimeFigureOut">
               <a:rPr lang="cs-CZ" smtClean="0"/>
               <a:pPr/>
-              <a:t>4.2.2018</a:t>
+              <a:t>5.2.2018</a:t>
             </a:fld>
             <a:endParaRPr lang="cs-CZ"/>
           </a:p>
@@ -2971,7 +2973,7 @@
             <a:fld id="{326E8695-2CE7-41E2-A90C-4285F3AD207C}" type="datetimeFigureOut">
               <a:rPr lang="cs-CZ" smtClean="0"/>
               <a:pPr/>
-              <a:t>4.2.2018</a:t>
+              <a:t>5.2.2018</a:t>
             </a:fld>
             <a:endParaRPr lang="cs-CZ"/>
           </a:p>
@@ -3168,7 +3170,7 @@
             <a:fld id="{326E8695-2CE7-41E2-A90C-4285F3AD207C}" type="datetimeFigureOut">
               <a:rPr lang="cs-CZ" smtClean="0"/>
               <a:pPr/>
-              <a:t>4.2.2018</a:t>
+              <a:t>5.2.2018</a:t>
             </a:fld>
             <a:endParaRPr lang="cs-CZ"/>
           </a:p>
@@ -3268,7 +3270,7 @@
             <a:fld id="{326E8695-2CE7-41E2-A90C-4285F3AD207C}" type="datetimeFigureOut">
               <a:rPr lang="cs-CZ" smtClean="0"/>
               <a:pPr/>
-              <a:t>4.2.2018</a:t>
+              <a:t>5.2.2018</a:t>
             </a:fld>
             <a:endParaRPr lang="cs-CZ"/>
           </a:p>
@@ -3406,7 +3408,7 @@
             <a:fld id="{326E8695-2CE7-41E2-A90C-4285F3AD207C}" type="datetimeFigureOut">
               <a:rPr lang="cs-CZ" smtClean="0"/>
               <a:pPr/>
-              <a:t>4.2.2018</a:t>
+              <a:t>5.2.2018</a:t>
             </a:fld>
             <a:endParaRPr lang="cs-CZ"/>
           </a:p>
@@ -3926,7 +3928,7 @@
             <a:fld id="{326E8695-2CE7-41E2-A90C-4285F3AD207C}" type="datetimeFigureOut">
               <a:rPr lang="cs-CZ" smtClean="0"/>
               <a:pPr/>
-              <a:t>4.2.2018</a:t>
+              <a:t>5.2.2018</a:t>
             </a:fld>
             <a:endParaRPr lang="cs-CZ"/>
           </a:p>
@@ -4189,7 +4191,7 @@
             <a:fld id="{326E8695-2CE7-41E2-A90C-4285F3AD207C}" type="datetimeFigureOut">
               <a:rPr lang="cs-CZ" smtClean="0"/>
               <a:pPr/>
-              <a:t>4.2.2018</a:t>
+              <a:t>5.2.2018</a:t>
             </a:fld>
             <a:endParaRPr lang="cs-CZ"/>
           </a:p>
@@ -4899,7 +4901,7 @@
           <a:p>
             <a:r>
               <a:rPr lang="cs-CZ" sz="5400" dirty="0" smtClean="0"/>
-              <a:t>Závěr</a:t>
+              <a:t>2)Sestavování geometrie</a:t>
             </a:r>
             <a:endParaRPr lang="cs-CZ" sz="5400" dirty="0"/>
           </a:p>
@@ -4922,23 +4924,30 @@
           <a:p>
             <a:r>
               <a:rPr lang="cs-CZ" sz="3200" dirty="0" smtClean="0"/>
-              <a:t>Zachovaná původní funkcionalita</a:t>
+              <a:t>Pro bloky parcel a budov</a:t>
             </a:r>
           </a:p>
           <a:p>
             <a:r>
               <a:rPr lang="cs-CZ" sz="3200" dirty="0" smtClean="0"/>
-              <a:t>Fungující sestavení geometrie parcel a budov pro veřejně poskytovaná data</a:t>
+              <a:t>Uložení do databáze</a:t>
             </a:r>
           </a:p>
           <a:p>
             <a:r>
               <a:rPr lang="cs-CZ" sz="3200" dirty="0" smtClean="0"/>
-              <a:t>Vytvoření tabulek PAR a BUD v databázi včetně naplnění daty</a:t>
-            </a:r>
-          </a:p>
-          <a:p>
-            <a:endParaRPr lang="cs-CZ" dirty="0"/>
+              <a:t>Probíhá pouze pro veřejně poskytovaná data</a:t>
+            </a:r>
+          </a:p>
+          <a:p>
+            <a:r>
+              <a:rPr lang="cs-CZ" sz="3200" dirty="0" smtClean="0"/>
+              <a:t>Pro rozsáhlejší území </a:t>
+            </a:r>
+            <a:r>
+              <a:rPr lang="cs-CZ" sz="3200" dirty="0" smtClean="0"/>
+              <a:t>pomalé (i desítky minut)</a:t>
+            </a:r>
           </a:p>
         </p:txBody>
       </p:sp>
@@ -4993,6 +5002,230 @@
           <a:p>
             <a:r>
               <a:rPr lang="cs-CZ" sz="5400" dirty="0" smtClean="0"/>
+              <a:t>Závěr</a:t>
+            </a:r>
+            <a:endParaRPr lang="cs-CZ" sz="5400" dirty="0"/>
+          </a:p>
+        </p:txBody>
+      </p:sp>
+      <p:sp>
+        <p:nvSpPr>
+          <p:cNvPr id="3" name="Zástupný symbol pro obsah 2"/>
+          <p:cNvSpPr>
+            <a:spLocks noGrp="1"/>
+          </p:cNvSpPr>
+          <p:nvPr>
+            <p:ph sz="quarter" idx="1"/>
+          </p:nvPr>
+        </p:nvSpPr>
+        <p:spPr/>
+        <p:txBody>
+          <a:bodyPr/>
+          <a:lstStyle/>
+          <a:p>
+            <a:r>
+              <a:rPr lang="cs-CZ" sz="3200" dirty="0" smtClean="0"/>
+              <a:t>Zachovaná původní funkcionalita</a:t>
+            </a:r>
+          </a:p>
+          <a:p>
+            <a:r>
+              <a:rPr lang="cs-CZ" sz="3200" dirty="0" smtClean="0"/>
+              <a:t>Fungující sestavení geometrie parcel a budov pro veřejně poskytovaná data</a:t>
+            </a:r>
+          </a:p>
+          <a:p>
+            <a:r>
+              <a:rPr lang="cs-CZ" sz="3200" dirty="0" smtClean="0"/>
+              <a:t>Vytvoření tabulek PAR a BUD v databázi včetně naplnění </a:t>
+            </a:r>
+            <a:r>
+              <a:rPr lang="cs-CZ" sz="3200" dirty="0" smtClean="0"/>
+              <a:t>daty (geometrie a atributy)</a:t>
+            </a:r>
+          </a:p>
+          <a:p>
+            <a:r>
+              <a:rPr lang="cs-CZ" sz="3200" dirty="0" smtClean="0"/>
+              <a:t>Využití pro menší území</a:t>
+            </a:r>
+            <a:endParaRPr lang="cs-CZ" sz="3200" dirty="0" smtClean="0"/>
+          </a:p>
+          <a:p>
+            <a:endParaRPr lang="cs-CZ" dirty="0"/>
+          </a:p>
+        </p:txBody>
+      </p:sp>
+    </p:spTree>
+  </p:cSld>
+  <p:clrMapOvr>
+    <a:masterClrMapping/>
+  </p:clrMapOvr>
+  <p:timing>
+    <p:tnLst>
+      <p:par>
+        <p:cTn id="1" dur="indefinite" restart="never" nodeType="tmRoot"/>
+      </p:par>
+    </p:tnLst>
+  </p:timing>
+</p:sld>
+</file>
+
+<file path=ppt/slides/slide12.xml><?xml version="1.0" encoding="utf-8"?>
+<p:sld xmlns:a="http://schemas.openxmlformats.org/drawingml/2006/main" xmlns:r="http://schemas.openxmlformats.org/officeDocument/2006/relationships" xmlns:p="http://schemas.openxmlformats.org/presentationml/2006/main">
+  <p:cSld>
+    <p:spTree>
+      <p:nvGrpSpPr>
+        <p:cNvPr id="1" name=""/>
+        <p:cNvGrpSpPr/>
+        <p:nvPr/>
+      </p:nvGrpSpPr>
+      <p:grpSpPr>
+        <a:xfrm>
+          <a:off x="0" y="0"/>
+          <a:ext cx="0" cy="0"/>
+          <a:chOff x="0" y="0"/>
+          <a:chExt cx="0" cy="0"/>
+        </a:xfrm>
+      </p:grpSpPr>
+      <p:sp>
+        <p:nvSpPr>
+          <p:cNvPr id="2" name="Nadpis 1"/>
+          <p:cNvSpPr>
+            <a:spLocks noGrp="1"/>
+          </p:cNvSpPr>
+          <p:nvPr>
+            <p:ph type="title"/>
+          </p:nvPr>
+        </p:nvSpPr>
+        <p:spPr/>
+        <p:txBody>
+          <a:bodyPr>
+            <a:normAutofit/>
+          </a:bodyPr>
+          <a:lstStyle/>
+          <a:p>
+            <a:r>
+              <a:rPr lang="cs-CZ" sz="5400" dirty="0" smtClean="0"/>
+              <a:t>Vyvstalé otázky k výsledku?</a:t>
+            </a:r>
+            <a:endParaRPr lang="cs-CZ" sz="5400" dirty="0"/>
+          </a:p>
+        </p:txBody>
+      </p:sp>
+      <p:sp>
+        <p:nvSpPr>
+          <p:cNvPr id="3" name="Zástupný symbol pro obsah 2"/>
+          <p:cNvSpPr>
+            <a:spLocks noGrp="1"/>
+          </p:cNvSpPr>
+          <p:nvPr>
+            <p:ph sz="quarter" idx="1"/>
+          </p:nvPr>
+        </p:nvSpPr>
+        <p:spPr/>
+        <p:txBody>
+          <a:bodyPr>
+            <a:normAutofit/>
+          </a:bodyPr>
+          <a:lstStyle/>
+          <a:p>
+            <a:r>
+              <a:rPr lang="cs-CZ" sz="3200" dirty="0" smtClean="0"/>
+              <a:t>Zrychlení načítání?</a:t>
+            </a:r>
+          </a:p>
+          <a:p>
+            <a:r>
+              <a:rPr lang="cs-CZ" sz="3200" dirty="0" smtClean="0"/>
+              <a:t>Malé množství informací</a:t>
+            </a:r>
+          </a:p>
+          <a:p>
+            <a:pPr lvl="1"/>
+            <a:r>
+              <a:rPr lang="cs-CZ" dirty="0" smtClean="0"/>
+              <a:t>Má smysl geometrii(polygony) sestavovat</a:t>
+            </a:r>
+            <a:r>
+              <a:rPr lang="cs-CZ" dirty="0" smtClean="0"/>
+              <a:t>?</a:t>
+            </a:r>
+          </a:p>
+          <a:p>
+            <a:r>
+              <a:rPr lang="cs-CZ" sz="3200" dirty="0" smtClean="0"/>
+              <a:t>Byla minimální úprava </a:t>
+            </a:r>
+            <a:r>
+              <a:rPr lang="cs-CZ" sz="3200" dirty="0" err="1" smtClean="0"/>
+              <a:t>plug</a:t>
+            </a:r>
+            <a:r>
+              <a:rPr lang="cs-CZ" sz="3200" dirty="0" smtClean="0"/>
+              <a:t>-inu vhodnou cestou?</a:t>
+            </a:r>
+          </a:p>
+          <a:p>
+            <a:r>
+              <a:rPr lang="cs-CZ" sz="3200" dirty="0" smtClean="0"/>
+              <a:t>Odpovědi později</a:t>
+            </a:r>
+            <a:endParaRPr lang="cs-CZ" dirty="0"/>
+          </a:p>
+        </p:txBody>
+      </p:sp>
+    </p:spTree>
+  </p:cSld>
+  <p:clrMapOvr>
+    <a:masterClrMapping/>
+  </p:clrMapOvr>
+  <p:timing>
+    <p:tnLst>
+      <p:par>
+        <p:cTn id="1" dur="indefinite" restart="never" nodeType="tmRoot"/>
+      </p:par>
+    </p:tnLst>
+  </p:timing>
+</p:sld>
+</file>
+
+<file path=ppt/slides/slide13.xml><?xml version="1.0" encoding="utf-8"?>
+<p:sld xmlns:a="http://schemas.openxmlformats.org/drawingml/2006/main" xmlns:r="http://schemas.openxmlformats.org/officeDocument/2006/relationships" xmlns:p="http://schemas.openxmlformats.org/presentationml/2006/main">
+  <p:cSld>
+    <p:spTree>
+      <p:nvGrpSpPr>
+        <p:cNvPr id="1" name=""/>
+        <p:cNvGrpSpPr/>
+        <p:nvPr/>
+      </p:nvGrpSpPr>
+      <p:grpSpPr>
+        <a:xfrm>
+          <a:off x="0" y="0"/>
+          <a:ext cx="0" cy="0"/>
+          <a:chOff x="0" y="0"/>
+          <a:chExt cx="0" cy="0"/>
+        </a:xfrm>
+      </p:grpSpPr>
+      <p:sp>
+        <p:nvSpPr>
+          <p:cNvPr id="2" name="Nadpis 1"/>
+          <p:cNvSpPr>
+            <a:spLocks noGrp="1"/>
+          </p:cNvSpPr>
+          <p:nvPr>
+            <p:ph type="title"/>
+          </p:nvPr>
+        </p:nvSpPr>
+        <p:spPr/>
+        <p:txBody>
+          <a:bodyPr>
+            <a:normAutofit/>
+          </a:bodyPr>
+          <a:lstStyle/>
+          <a:p>
+            <a:r>
+              <a:rPr lang="cs-CZ" sz="5400" dirty="0" smtClean="0"/>
               <a:t>Video s ukázkou načítání dat</a:t>
             </a:r>
             <a:endParaRPr lang="cs-CZ" sz="5400" dirty="0"/>
@@ -5019,8 +5252,24 @@
               <a:rPr lang="cs-CZ" dirty="0" smtClean="0">
                 <a:hlinkClick r:id="rId2"/>
               </a:rPr>
-              <a:t>https://www.youtube.com/watch?v=j19-D4Z29ZA</a:t>
-            </a:r>
+              <a:t>https</a:t>
+            </a:r>
+            <a:r>
+              <a:rPr lang="cs-CZ" dirty="0" smtClean="0">
+                <a:hlinkClick r:id="rId2"/>
+              </a:rPr>
+              <a:t>://</a:t>
+            </a:r>
+            <a:r>
+              <a:rPr lang="cs-CZ" dirty="0" smtClean="0">
+                <a:hlinkClick r:id="rId2"/>
+              </a:rPr>
+              <a:t>www.youtube.com/watch?v=j19-D4Z29ZA</a:t>
+            </a:r>
+            <a:endParaRPr lang="cs-CZ" dirty="0" smtClean="0"/>
+          </a:p>
+          <a:p>
+            <a:pPr algn="ctr"/>
             <a:endParaRPr lang="cs-CZ" dirty="0" smtClean="0"/>
           </a:p>
         </p:txBody>
@@ -5064,155 +5313,6 @@
 </p:sld>
 </file>
 
-<file path=ppt/slides/slide12.xml><?xml version="1.0" encoding="utf-8"?>
-<p:sld xmlns:a="http://schemas.openxmlformats.org/drawingml/2006/main" xmlns:r="http://schemas.openxmlformats.org/officeDocument/2006/relationships" xmlns:p="http://schemas.openxmlformats.org/presentationml/2006/main">
-  <p:cSld>
-    <p:spTree>
-      <p:nvGrpSpPr>
-        <p:cNvPr id="1" name=""/>
-        <p:cNvGrpSpPr/>
-        <p:nvPr/>
-      </p:nvGrpSpPr>
-      <p:grpSpPr>
-        <a:xfrm>
-          <a:off x="0" y="0"/>
-          <a:ext cx="0" cy="0"/>
-          <a:chOff x="0" y="0"/>
-          <a:chExt cx="0" cy="0"/>
-        </a:xfrm>
-      </p:grpSpPr>
-      <p:sp>
-        <p:nvSpPr>
-          <p:cNvPr id="2" name="Nadpis 1"/>
-          <p:cNvSpPr>
-            <a:spLocks noGrp="1"/>
-          </p:cNvSpPr>
-          <p:nvPr>
-            <p:ph type="title"/>
-          </p:nvPr>
-        </p:nvSpPr>
-        <p:spPr>
-          <a:xfrm>
-            <a:off x="990600" y="3140968"/>
-            <a:ext cx="8153400" cy="990600"/>
-          </a:xfrm>
-        </p:spPr>
-        <p:txBody>
-          <a:bodyPr>
-            <a:normAutofit/>
-          </a:bodyPr>
-          <a:lstStyle/>
-          <a:p>
-            <a:r>
-              <a:rPr lang="cs-CZ" sz="5400" dirty="0" smtClean="0"/>
-              <a:t>Děkuji Vám za pozornost</a:t>
-            </a:r>
-            <a:endParaRPr lang="cs-CZ" sz="5400" dirty="0"/>
-          </a:p>
-        </p:txBody>
-      </p:sp>
-    </p:spTree>
-  </p:cSld>
-  <p:clrMapOvr>
-    <a:masterClrMapping/>
-  </p:clrMapOvr>
-  <p:timing>
-    <p:tnLst>
-      <p:par>
-        <p:cTn id="1" dur="indefinite" restart="never" nodeType="tmRoot"/>
-      </p:par>
-    </p:tnLst>
-  </p:timing>
-</p:sld>
-</file>
-
-<file path=ppt/slides/slide13.xml><?xml version="1.0" encoding="utf-8"?>
-<p:sld xmlns:a="http://schemas.openxmlformats.org/drawingml/2006/main" xmlns:r="http://schemas.openxmlformats.org/officeDocument/2006/relationships" xmlns:p="http://schemas.openxmlformats.org/presentationml/2006/main">
-  <p:cSld>
-    <p:spTree>
-      <p:nvGrpSpPr>
-        <p:cNvPr id="1" name=""/>
-        <p:cNvGrpSpPr/>
-        <p:nvPr/>
-      </p:nvGrpSpPr>
-      <p:grpSpPr>
-        <a:xfrm>
-          <a:off x="0" y="0"/>
-          <a:ext cx="0" cy="0"/>
-          <a:chOff x="0" y="0"/>
-          <a:chExt cx="0" cy="0"/>
-        </a:xfrm>
-      </p:grpSpPr>
-      <p:sp>
-        <p:nvSpPr>
-          <p:cNvPr id="2" name="Nadpis 1"/>
-          <p:cNvSpPr>
-            <a:spLocks noGrp="1"/>
-          </p:cNvSpPr>
-          <p:nvPr>
-            <p:ph type="title"/>
-          </p:nvPr>
-        </p:nvSpPr>
-        <p:spPr/>
-        <p:txBody>
-          <a:bodyPr>
-            <a:normAutofit/>
-          </a:bodyPr>
-          <a:lstStyle/>
-          <a:p>
-            <a:r>
-              <a:rPr lang="cs-CZ" sz="5400" dirty="0" smtClean="0"/>
-              <a:t>Odpověď na otázku 1.</a:t>
-            </a:r>
-            <a:endParaRPr lang="cs-CZ" sz="5400" dirty="0"/>
-          </a:p>
-        </p:txBody>
-      </p:sp>
-      <p:sp>
-        <p:nvSpPr>
-          <p:cNvPr id="3" name="Zástupný symbol pro obsah 2"/>
-          <p:cNvSpPr>
-            <a:spLocks noGrp="1"/>
-          </p:cNvSpPr>
-          <p:nvPr>
-            <p:ph sz="quarter" idx="1"/>
-          </p:nvPr>
-        </p:nvSpPr>
-        <p:spPr/>
-        <p:txBody>
-          <a:bodyPr>
-            <a:normAutofit/>
-          </a:bodyPr>
-          <a:lstStyle/>
-          <a:p>
-            <a:r>
-              <a:rPr lang="cs-CZ" sz="3200" dirty="0" smtClean="0"/>
-              <a:t>Vyžadovalo by to ale razantnější změnu původního zásuvného modulu</a:t>
-            </a:r>
-          </a:p>
-          <a:p>
-            <a:r>
-              <a:rPr lang="cs-CZ" sz="3200" dirty="0" smtClean="0"/>
-              <a:t>Cílem práce bylo umožnit načítání veřejně dostupných dat s minimálními úpravami</a:t>
-            </a:r>
-          </a:p>
-        </p:txBody>
-      </p:sp>
-    </p:spTree>
-  </p:cSld>
-  <p:clrMapOvr>
-    <a:masterClrMapping/>
-  </p:clrMapOvr>
-  <p:timing>
-    <p:tnLst>
-      <p:par>
-        <p:cTn id="1" dur="indefinite" restart="never" nodeType="tmRoot"/>
-      </p:par>
-    </p:tnLst>
-  </p:timing>
-</p:sld>
-</file>
-
 <file path=ppt/slides/slide14.xml><?xml version="1.0" encoding="utf-8"?>
 <p:sld xmlns:a="http://schemas.openxmlformats.org/drawingml/2006/main" xmlns:r="http://schemas.openxmlformats.org/officeDocument/2006/relationships" xmlns:p="http://schemas.openxmlformats.org/presentationml/2006/main">
   <p:cSld>
@@ -5240,7 +5340,12 @@
             <p:ph type="title"/>
           </p:nvPr>
         </p:nvSpPr>
-        <p:spPr/>
+        <p:spPr>
+          <a:xfrm>
+            <a:off x="990600" y="3140968"/>
+            <a:ext cx="8153400" cy="990600"/>
+          </a:xfrm>
+        </p:spPr>
         <p:txBody>
           <a:bodyPr>
             <a:normAutofit/>
@@ -5249,48 +5354,9 @@
           <a:p>
             <a:r>
               <a:rPr lang="cs-CZ" sz="5400" dirty="0" smtClean="0"/>
-              <a:t>Odpověď na otázku 2.</a:t>
+              <a:t>Děkuji Vám za pozornost</a:t>
             </a:r>
             <a:endParaRPr lang="cs-CZ" sz="5400" dirty="0"/>
-          </a:p>
-        </p:txBody>
-      </p:sp>
-      <p:sp>
-        <p:nvSpPr>
-          <p:cNvPr id="3" name="Zástupný symbol pro obsah 2"/>
-          <p:cNvSpPr>
-            <a:spLocks noGrp="1"/>
-          </p:cNvSpPr>
-          <p:nvPr>
-            <p:ph sz="quarter" idx="1"/>
-          </p:nvPr>
-        </p:nvSpPr>
-        <p:spPr/>
-        <p:txBody>
-          <a:bodyPr>
-            <a:normAutofit/>
-          </a:bodyPr>
-          <a:lstStyle/>
-          <a:p>
-            <a:r>
-              <a:rPr lang="cs-CZ" sz="3200" dirty="0" smtClean="0"/>
-              <a:t>Výhody načítání dat ve formátu VFK</a:t>
-            </a:r>
-          </a:p>
-          <a:p>
-            <a:pPr lvl="1"/>
-            <a:r>
-              <a:rPr lang="cs-CZ" dirty="0" smtClean="0"/>
-              <a:t>Zásuvný modul je přizpůsoben tomuto formátu</a:t>
-            </a:r>
-          </a:p>
-          <a:p>
-            <a:pPr lvl="1"/>
-            <a:r>
-              <a:rPr lang="cs-CZ" dirty="0" smtClean="0"/>
-              <a:t>Vzniklé polygony parcel jsou včetně parcelních čísel</a:t>
-            </a:r>
-            <a:endParaRPr lang="cs-CZ" sz="3200" dirty="0" smtClean="0"/>
           </a:p>
         </p:txBody>
       </p:sp>
@@ -5345,35 +5411,64 @@
           <a:p>
             <a:r>
               <a:rPr lang="cs-CZ" sz="5400" dirty="0" smtClean="0"/>
-              <a:t>SHP parcely</a:t>
+              <a:t>Na vstupu blok PKMP?</a:t>
             </a:r>
             <a:endParaRPr lang="cs-CZ" sz="5400" dirty="0"/>
           </a:p>
         </p:txBody>
       </p:sp>
-      <p:pic>
-        <p:nvPicPr>
-          <p:cNvPr id="4" name="Zástupný symbol pro obsah 3" descr="parcely_shp_atributova_tabulka.png"/>
-          <p:cNvPicPr>
-            <a:picLocks noGrp="1" noChangeAspect="1"/>
-          </p:cNvPicPr>
+      <p:sp>
+        <p:nvSpPr>
+          <p:cNvPr id="3" name="Zástupný symbol pro obsah 2"/>
+          <p:cNvSpPr>
+            <a:spLocks noGrp="1"/>
+          </p:cNvSpPr>
           <p:nvPr>
             <p:ph sz="quarter" idx="1"/>
           </p:nvPr>
-        </p:nvPicPr>
-        <p:blipFill>
-          <a:blip r:embed="rId3" cstate="print"/>
-          <a:stretch>
-            <a:fillRect/>
-          </a:stretch>
-        </p:blipFill>
-        <p:spPr>
-          <a:xfrm>
-            <a:off x="691257" y="1600200"/>
-            <a:ext cx="7996436" cy="4495800"/>
-          </a:xfrm>
-        </p:spPr>
-      </p:pic>
+        </p:nvSpPr>
+        <p:spPr/>
+        <p:txBody>
+          <a:bodyPr>
+            <a:normAutofit/>
+          </a:bodyPr>
+          <a:lstStyle/>
+          <a:p>
+            <a:r>
+              <a:rPr lang="cs-CZ" sz="3200" dirty="0" smtClean="0"/>
+              <a:t>Blok prvky katastrální mapy (geometrie)</a:t>
+            </a:r>
+          </a:p>
+          <a:p>
+            <a:r>
+              <a:rPr lang="cs-CZ" sz="3200" dirty="0" smtClean="0"/>
+              <a:t>Vyžadovalo </a:t>
+            </a:r>
+            <a:r>
+              <a:rPr lang="cs-CZ" sz="3200" dirty="0" smtClean="0"/>
+              <a:t>by to ale razantnější změnu původního zásuvného modulu</a:t>
+            </a:r>
+          </a:p>
+          <a:p>
+            <a:r>
+              <a:rPr lang="cs-CZ" sz="3200" dirty="0" smtClean="0"/>
+              <a:t>Cílem práce bylo umožnit načítání veřejně dostupných </a:t>
+            </a:r>
+            <a:r>
+              <a:rPr lang="cs-CZ" sz="3200" dirty="0" smtClean="0"/>
+              <a:t>dat </a:t>
+            </a:r>
+            <a:r>
+              <a:rPr lang="cs-CZ" sz="3200" dirty="0" smtClean="0"/>
+              <a:t>s minimálními </a:t>
+            </a:r>
+            <a:r>
+              <a:rPr lang="cs-CZ" sz="3200" dirty="0" smtClean="0"/>
+              <a:t>úpravami</a:t>
+            </a:r>
+          </a:p>
+        </p:txBody>
+      </p:sp>
     </p:spTree>
   </p:cSld>
   <p:clrMapOvr>
@@ -5419,41 +5514,92 @@
         <p:spPr/>
         <p:txBody>
           <a:bodyPr>
+            <a:normAutofit fontScale="90000"/>
+          </a:bodyPr>
+          <a:lstStyle/>
+          <a:p>
+            <a:r>
+              <a:rPr lang="cs-CZ" sz="5400" dirty="0" smtClean="0"/>
+              <a:t>Výhody načítání formátu VFK</a:t>
+            </a:r>
+            <a:endParaRPr lang="cs-CZ" sz="5400" dirty="0"/>
+          </a:p>
+        </p:txBody>
+      </p:sp>
+      <p:sp>
+        <p:nvSpPr>
+          <p:cNvPr id="3" name="Zástupný symbol pro obsah 2"/>
+          <p:cNvSpPr>
+            <a:spLocks noGrp="1"/>
+          </p:cNvSpPr>
+          <p:nvPr>
+            <p:ph sz="quarter" idx="1"/>
+          </p:nvPr>
+        </p:nvSpPr>
+        <p:spPr/>
+        <p:txBody>
+          <a:bodyPr>
             <a:normAutofit/>
           </a:bodyPr>
           <a:lstStyle/>
           <a:p>
-            <a:r>
-              <a:rPr lang="cs-CZ" sz="5400" dirty="0" smtClean="0"/>
-              <a:t>RÚIAN</a:t>
-            </a:r>
-            <a:endParaRPr lang="cs-CZ" sz="5400" dirty="0"/>
-          </a:p>
-        </p:txBody>
-      </p:sp>
-      <p:pic>
-        <p:nvPicPr>
-          <p:cNvPr id="4" name="Zástupný symbol pro obsah 3" descr="ruian_parcely.png"/>
-          <p:cNvPicPr>
-            <a:picLocks noGrp="1" noChangeAspect="1"/>
-          </p:cNvPicPr>
-          <p:nvPr>
-            <p:ph sz="quarter" idx="1"/>
-          </p:nvPr>
-        </p:nvPicPr>
-        <p:blipFill>
-          <a:blip r:embed="rId3" cstate="print"/>
-          <a:stretch>
-            <a:fillRect/>
-          </a:stretch>
-        </p:blipFill>
-        <p:spPr>
-          <a:xfrm>
-            <a:off x="691257" y="1600200"/>
-            <a:ext cx="7996436" cy="4495800"/>
-          </a:xfrm>
-        </p:spPr>
-      </p:pic>
+            <a:pPr marL="320040" lvl="1" indent="-320040">
+              <a:spcBef>
+                <a:spcPts val="700"/>
+              </a:spcBef>
+              <a:buClr>
+                <a:schemeClr val="accent2"/>
+              </a:buClr>
+              <a:buSzPct val="60000"/>
+              <a:buFont typeface="Wingdings"/>
+              <a:buChar char=""/>
+            </a:pPr>
+            <a:r>
+              <a:rPr lang="cs-CZ" sz="3200" dirty="0" smtClean="0"/>
+              <a:t>Zásuvný modul je přizpůsoben tomuto formátu</a:t>
+            </a:r>
+          </a:p>
+          <a:p>
+            <a:pPr marL="320040" lvl="1" indent="-320040">
+              <a:spcBef>
+                <a:spcPts val="700"/>
+              </a:spcBef>
+              <a:buClr>
+                <a:schemeClr val="accent2"/>
+              </a:buClr>
+              <a:buSzPct val="60000"/>
+              <a:buFont typeface="Wingdings"/>
+              <a:buChar char=""/>
+            </a:pPr>
+            <a:r>
+              <a:rPr lang="cs-CZ" sz="3200" dirty="0" smtClean="0"/>
+              <a:t>Vzniklé polygony parcel jsou včetně parcelních </a:t>
+            </a:r>
+            <a:r>
+              <a:rPr lang="cs-CZ" sz="3200" dirty="0" smtClean="0"/>
+              <a:t>čísel</a:t>
+            </a:r>
+          </a:p>
+          <a:p>
+            <a:pPr marL="320040" lvl="1" indent="-320040">
+              <a:spcBef>
+                <a:spcPts val="700"/>
+              </a:spcBef>
+              <a:buClr>
+                <a:schemeClr val="accent2"/>
+              </a:buClr>
+              <a:buSzPct val="60000"/>
+              <a:buFont typeface="Wingdings"/>
+              <a:buChar char=""/>
+            </a:pPr>
+            <a:r>
+              <a:rPr lang="cs-CZ" sz="3200" dirty="0" smtClean="0"/>
+              <a:t>Co nabídne SHP?</a:t>
+            </a:r>
+            <a:endParaRPr lang="cs-CZ" sz="3200" dirty="0" smtClean="0"/>
+          </a:p>
+        </p:txBody>
+      </p:sp>
     </p:spTree>
   </p:cSld>
   <p:clrMapOvr>
@@ -5496,12 +5642,7 @@
             <p:ph type="title"/>
           </p:nvPr>
         </p:nvSpPr>
-        <p:spPr>
-          <a:xfrm>
-            <a:off x="2051720" y="3212976"/>
-            <a:ext cx="5165576" cy="990600"/>
-          </a:xfrm>
-        </p:spPr>
+        <p:spPr/>
         <p:txBody>
           <a:bodyPr>
             <a:normAutofit/>
@@ -5510,12 +5651,35 @@
           <a:p>
             <a:r>
               <a:rPr lang="cs-CZ" sz="5400" dirty="0" smtClean="0"/>
-              <a:t>Další možný vývoj</a:t>
+              <a:t>SHP parcely</a:t>
             </a:r>
             <a:endParaRPr lang="cs-CZ" sz="5400" dirty="0"/>
           </a:p>
         </p:txBody>
       </p:sp>
+      <p:pic>
+        <p:nvPicPr>
+          <p:cNvPr id="4" name="Zástupný symbol pro obsah 3" descr="parcely_shp_atributova_tabulka.png"/>
+          <p:cNvPicPr>
+            <a:picLocks noGrp="1" noChangeAspect="1"/>
+          </p:cNvPicPr>
+          <p:nvPr>
+            <p:ph sz="quarter" idx="1"/>
+          </p:nvPr>
+        </p:nvPicPr>
+        <p:blipFill>
+          <a:blip r:embed="rId3" cstate="print"/>
+          <a:stretch>
+            <a:fillRect/>
+          </a:stretch>
+        </p:blipFill>
+        <p:spPr>
+          <a:xfrm>
+            <a:off x="691257" y="1600200"/>
+            <a:ext cx="7996436" cy="4495800"/>
+          </a:xfrm>
+        </p:spPr>
+      </p:pic>
     </p:spTree>
   </p:cSld>
   <p:clrMapOvr>
@@ -5567,61 +5731,35 @@
           <a:p>
             <a:r>
               <a:rPr lang="cs-CZ" sz="5400" dirty="0" smtClean="0"/>
-              <a:t>Zpomalující prvek</a:t>
+              <a:t>RÚIAN</a:t>
             </a:r>
             <a:endParaRPr lang="cs-CZ" sz="5400" dirty="0"/>
           </a:p>
         </p:txBody>
       </p:sp>
-      <p:sp>
-        <p:nvSpPr>
-          <p:cNvPr id="3" name="Zástupný symbol pro obsah 2"/>
-          <p:cNvSpPr>
-            <a:spLocks noGrp="1"/>
-          </p:cNvSpPr>
+      <p:pic>
+        <p:nvPicPr>
+          <p:cNvPr id="4" name="Zástupný symbol pro obsah 3" descr="ruian_parcely.png"/>
+          <p:cNvPicPr>
+            <a:picLocks noGrp="1" noChangeAspect="1"/>
+          </p:cNvPicPr>
           <p:nvPr>
             <p:ph sz="quarter" idx="1"/>
           </p:nvPr>
-        </p:nvSpPr>
-        <p:spPr/>
-        <p:txBody>
-          <a:bodyPr>
-            <a:normAutofit/>
-          </a:bodyPr>
-          <a:lstStyle/>
-          <a:p>
-            <a:pPr marL="514350" indent="-514350">
-              <a:buFont typeface="Wingdings" pitchFamily="2" charset="2"/>
-              <a:buChar char="q"/>
-            </a:pPr>
-            <a:r>
-              <a:rPr lang="cs-CZ" sz="3200" dirty="0" smtClean="0"/>
-              <a:t>Atributový filtr – pro každou parcelu/budovu  se hledají všechny příslušné hranice v celém seznamu hranic (postupné procházení)</a:t>
-            </a:r>
-          </a:p>
-          <a:p>
-            <a:pPr marL="514350" indent="-514350">
-              <a:buFont typeface="Wingdings" pitchFamily="2" charset="2"/>
-              <a:buChar char="q"/>
-            </a:pPr>
-            <a:r>
-              <a:rPr lang="cs-CZ" sz="3200" dirty="0" smtClean="0"/>
-              <a:t>Indexy nad sloupci PAR_ID_1 i PAR_ID_2 v tabulce geometrie HP</a:t>
-            </a:r>
-          </a:p>
-          <a:p>
-            <a:pPr marL="514350" indent="-514350">
-              <a:buFont typeface="Wingdings" pitchFamily="2" charset="2"/>
-              <a:buChar char="q"/>
-            </a:pPr>
-            <a:r>
-              <a:rPr lang="cs-CZ" sz="3200" dirty="0" smtClean="0"/>
-              <a:t>V tomto případě jsem nepřišel na lepší řešení</a:t>
-            </a:r>
-            <a:endParaRPr lang="cs-CZ" sz="3200" dirty="0"/>
-          </a:p>
-        </p:txBody>
-      </p:sp>
+        </p:nvPicPr>
+        <p:blipFill>
+          <a:blip r:embed="rId3" cstate="print"/>
+          <a:stretch>
+            <a:fillRect/>
+          </a:stretch>
+        </p:blipFill>
+        <p:spPr>
+          <a:xfrm>
+            <a:off x="691257" y="1600200"/>
+            <a:ext cx="7996436" cy="4495800"/>
+          </a:xfrm>
+        </p:spPr>
+      </p:pic>
     </p:spTree>
   </p:cSld>
   <p:clrMapOvr>
@@ -5664,7 +5802,12 @@
             <p:ph type="title"/>
           </p:nvPr>
         </p:nvSpPr>
-        <p:spPr/>
+        <p:spPr>
+          <a:xfrm>
+            <a:off x="2051720" y="3212976"/>
+            <a:ext cx="5165576" cy="990600"/>
+          </a:xfrm>
+        </p:spPr>
         <p:txBody>
           <a:bodyPr>
             <a:normAutofit/>
@@ -5673,62 +5816,9 @@
           <a:p>
             <a:r>
               <a:rPr lang="cs-CZ" sz="5400" dirty="0" smtClean="0"/>
-              <a:t>Možné zrychlení</a:t>
+              <a:t>Další možný vývoj</a:t>
             </a:r>
             <a:endParaRPr lang="cs-CZ" sz="5400" dirty="0"/>
-          </a:p>
-        </p:txBody>
-      </p:sp>
-      <p:sp>
-        <p:nvSpPr>
-          <p:cNvPr id="3" name="Zástupný symbol pro obsah 2"/>
-          <p:cNvSpPr>
-            <a:spLocks noGrp="1"/>
-          </p:cNvSpPr>
-          <p:nvPr>
-            <p:ph sz="quarter" idx="1"/>
-          </p:nvPr>
-        </p:nvSpPr>
-        <p:spPr/>
-        <p:txBody>
-          <a:bodyPr>
-            <a:normAutofit/>
-          </a:bodyPr>
-          <a:lstStyle/>
-          <a:p>
-            <a:pPr marL="514350" indent="-514350">
-              <a:buFont typeface="+mj-lt"/>
-              <a:buAutoNum type="arabicParenR"/>
-            </a:pPr>
-            <a:r>
-              <a:rPr lang="cs-CZ" sz="3200" dirty="0" smtClean="0"/>
-              <a:t>Dotaz na hranice parcely/budovy rovnou do databáze (bez pomoci knihovny GDAL)</a:t>
-            </a:r>
-          </a:p>
-          <a:p>
-            <a:pPr lvl="1"/>
-            <a:r>
-              <a:rPr lang="cs-CZ" dirty="0" smtClean="0"/>
-              <a:t>„Problém“ s formou geometrie (binární)</a:t>
-            </a:r>
-          </a:p>
-          <a:p>
-            <a:pPr marL="514350" indent="-514350">
-              <a:buFont typeface="+mj-lt"/>
-              <a:buAutoNum type="arabicParenR"/>
-            </a:pPr>
-            <a:r>
-              <a:rPr lang="cs-CZ" sz="3200" dirty="0" smtClean="0"/>
-              <a:t>Začlenění sestavování do knihovny GDAL psané v jazyce C++</a:t>
-            </a:r>
-          </a:p>
-          <a:p>
-            <a:pPr lvl="1"/>
-            <a:r>
-              <a:rPr lang="cs-CZ" dirty="0" smtClean="0"/>
-              <a:t>Teoreticky rychlejší, Python komunikuje pomaleji </a:t>
-            </a:r>
-            <a:endParaRPr lang="cs-CZ" dirty="0"/>
           </a:p>
         </p:txBody>
       </p:sp>
@@ -5820,19 +5910,238 @@
           <a:p>
             <a:r>
               <a:rPr lang="cs-CZ" sz="3200" dirty="0" smtClean="0"/>
-              <a:t>Knihovna </a:t>
-            </a:r>
-            <a:r>
-              <a:rPr lang="cs-CZ" sz="3200" dirty="0" err="1" smtClean="0"/>
-              <a:t>publicvfk</a:t>
-            </a:r>
-            <a:endParaRPr lang="cs-CZ" sz="3200" dirty="0" smtClean="0"/>
+              <a:t>Knihovna publicvfk</a:t>
+            </a:r>
           </a:p>
           <a:p>
             <a:r>
               <a:rPr lang="cs-CZ" sz="3200" dirty="0" smtClean="0"/>
               <a:t>Závěr</a:t>
             </a:r>
+          </a:p>
+        </p:txBody>
+      </p:sp>
+    </p:spTree>
+  </p:cSld>
+  <p:clrMapOvr>
+    <a:masterClrMapping/>
+  </p:clrMapOvr>
+  <p:timing>
+    <p:tnLst>
+      <p:par>
+        <p:cTn id="1" dur="indefinite" restart="never" nodeType="tmRoot"/>
+      </p:par>
+    </p:tnLst>
+  </p:timing>
+</p:sld>
+</file>
+
+<file path=ppt/slides/slide20.xml><?xml version="1.0" encoding="utf-8"?>
+<p:sld xmlns:a="http://schemas.openxmlformats.org/drawingml/2006/main" xmlns:r="http://schemas.openxmlformats.org/officeDocument/2006/relationships" xmlns:p="http://schemas.openxmlformats.org/presentationml/2006/main">
+  <p:cSld>
+    <p:spTree>
+      <p:nvGrpSpPr>
+        <p:cNvPr id="1" name=""/>
+        <p:cNvGrpSpPr/>
+        <p:nvPr/>
+      </p:nvGrpSpPr>
+      <p:grpSpPr>
+        <a:xfrm>
+          <a:off x="0" y="0"/>
+          <a:ext cx="0" cy="0"/>
+          <a:chOff x="0" y="0"/>
+          <a:chExt cx="0" cy="0"/>
+        </a:xfrm>
+      </p:grpSpPr>
+      <p:sp>
+        <p:nvSpPr>
+          <p:cNvPr id="2" name="Nadpis 1"/>
+          <p:cNvSpPr>
+            <a:spLocks noGrp="1"/>
+          </p:cNvSpPr>
+          <p:nvPr>
+            <p:ph type="title"/>
+          </p:nvPr>
+        </p:nvSpPr>
+        <p:spPr/>
+        <p:txBody>
+          <a:bodyPr>
+            <a:normAutofit/>
+          </a:bodyPr>
+          <a:lstStyle/>
+          <a:p>
+            <a:r>
+              <a:rPr lang="cs-CZ" sz="5400" dirty="0" smtClean="0"/>
+              <a:t>Zpomalující prvek</a:t>
+            </a:r>
+            <a:endParaRPr lang="cs-CZ" sz="5400" dirty="0"/>
+          </a:p>
+        </p:txBody>
+      </p:sp>
+      <p:sp>
+        <p:nvSpPr>
+          <p:cNvPr id="3" name="Zástupný symbol pro obsah 2"/>
+          <p:cNvSpPr>
+            <a:spLocks noGrp="1"/>
+          </p:cNvSpPr>
+          <p:nvPr>
+            <p:ph sz="quarter" idx="1"/>
+          </p:nvPr>
+        </p:nvSpPr>
+        <p:spPr/>
+        <p:txBody>
+          <a:bodyPr>
+            <a:normAutofit/>
+          </a:bodyPr>
+          <a:lstStyle/>
+          <a:p>
+            <a:pPr marL="514350" indent="-514350">
+              <a:buFont typeface="Wingdings" pitchFamily="2" charset="2"/>
+              <a:buChar char="q"/>
+            </a:pPr>
+            <a:r>
+              <a:rPr lang="cs-CZ" sz="3200" dirty="0" smtClean="0"/>
+              <a:t>Atributový filtr – pro každou parcelu/budovu  se hledají všechny příslušné hranice v celém seznamu hranic (postupné procházení)</a:t>
+            </a:r>
+          </a:p>
+          <a:p>
+            <a:pPr marL="514350" indent="-514350">
+              <a:buFont typeface="Wingdings" pitchFamily="2" charset="2"/>
+              <a:buChar char="q"/>
+            </a:pPr>
+            <a:r>
+              <a:rPr lang="cs-CZ" sz="3200" dirty="0" smtClean="0"/>
+              <a:t>Indexy nad sloupci PAR_ID_1 i PAR_ID_2 v tabulce geometrie HP</a:t>
+            </a:r>
+          </a:p>
+          <a:p>
+            <a:pPr marL="514350" indent="-514350">
+              <a:buFont typeface="Wingdings" pitchFamily="2" charset="2"/>
+              <a:buChar char="q"/>
+            </a:pPr>
+            <a:r>
+              <a:rPr lang="cs-CZ" sz="3200" dirty="0" smtClean="0"/>
+              <a:t>V tomto případě jsem nepřišel na lepší řešení</a:t>
+            </a:r>
+            <a:endParaRPr lang="cs-CZ" sz="3200" dirty="0"/>
+          </a:p>
+        </p:txBody>
+      </p:sp>
+    </p:spTree>
+  </p:cSld>
+  <p:clrMapOvr>
+    <a:masterClrMapping/>
+  </p:clrMapOvr>
+  <p:timing>
+    <p:tnLst>
+      <p:par>
+        <p:cTn id="1" dur="indefinite" restart="never" nodeType="tmRoot"/>
+      </p:par>
+    </p:tnLst>
+  </p:timing>
+</p:sld>
+</file>
+
+<file path=ppt/slides/slide21.xml><?xml version="1.0" encoding="utf-8"?>
+<p:sld xmlns:a="http://schemas.openxmlformats.org/drawingml/2006/main" xmlns:r="http://schemas.openxmlformats.org/officeDocument/2006/relationships" xmlns:p="http://schemas.openxmlformats.org/presentationml/2006/main">
+  <p:cSld>
+    <p:spTree>
+      <p:nvGrpSpPr>
+        <p:cNvPr id="1" name=""/>
+        <p:cNvGrpSpPr/>
+        <p:nvPr/>
+      </p:nvGrpSpPr>
+      <p:grpSpPr>
+        <a:xfrm>
+          <a:off x="0" y="0"/>
+          <a:ext cx="0" cy="0"/>
+          <a:chOff x="0" y="0"/>
+          <a:chExt cx="0" cy="0"/>
+        </a:xfrm>
+      </p:grpSpPr>
+      <p:sp>
+        <p:nvSpPr>
+          <p:cNvPr id="2" name="Nadpis 1"/>
+          <p:cNvSpPr>
+            <a:spLocks noGrp="1"/>
+          </p:cNvSpPr>
+          <p:nvPr>
+            <p:ph type="title"/>
+          </p:nvPr>
+        </p:nvSpPr>
+        <p:spPr/>
+        <p:txBody>
+          <a:bodyPr>
+            <a:normAutofit/>
+          </a:bodyPr>
+          <a:lstStyle/>
+          <a:p>
+            <a:r>
+              <a:rPr lang="cs-CZ" sz="5400" dirty="0" smtClean="0"/>
+              <a:t>Možné zrychlení</a:t>
+            </a:r>
+            <a:endParaRPr lang="cs-CZ" sz="5400" dirty="0"/>
+          </a:p>
+        </p:txBody>
+      </p:sp>
+      <p:sp>
+        <p:nvSpPr>
+          <p:cNvPr id="3" name="Zástupný symbol pro obsah 2"/>
+          <p:cNvSpPr>
+            <a:spLocks noGrp="1"/>
+          </p:cNvSpPr>
+          <p:nvPr>
+            <p:ph sz="quarter" idx="1"/>
+          </p:nvPr>
+        </p:nvSpPr>
+        <p:spPr/>
+        <p:txBody>
+          <a:bodyPr>
+            <a:normAutofit/>
+          </a:bodyPr>
+          <a:lstStyle/>
+          <a:p>
+            <a:pPr marL="514350" indent="-514350">
+              <a:buFont typeface="+mj-lt"/>
+              <a:buAutoNum type="arabicParenR"/>
+            </a:pPr>
+            <a:r>
+              <a:rPr lang="cs-CZ" sz="3200" dirty="0" smtClean="0"/>
+              <a:t>Dotaz na hranice parcely/budovy rovnou do databáze (</a:t>
+            </a:r>
+            <a:r>
+              <a:rPr lang="cs-CZ" sz="3200" dirty="0" smtClean="0"/>
+              <a:t>bez knihovny </a:t>
+            </a:r>
+            <a:r>
+              <a:rPr lang="cs-CZ" sz="3200" dirty="0" smtClean="0"/>
+              <a:t>GDAL)</a:t>
+            </a:r>
+          </a:p>
+          <a:p>
+            <a:pPr lvl="1"/>
+            <a:r>
+              <a:rPr lang="cs-CZ" dirty="0" smtClean="0"/>
+              <a:t>„Problém“ s formou geometrie (binární)</a:t>
+            </a:r>
+          </a:p>
+          <a:p>
+            <a:pPr marL="514350" indent="-514350">
+              <a:buFont typeface="+mj-lt"/>
+              <a:buAutoNum type="arabicParenR"/>
+            </a:pPr>
+            <a:r>
+              <a:rPr lang="cs-CZ" sz="3200" dirty="0" smtClean="0"/>
+              <a:t>Začlenění sestavování do knihovny GDAL psané v jazyce C++</a:t>
+            </a:r>
+          </a:p>
+          <a:p>
+            <a:pPr lvl="1"/>
+            <a:r>
+              <a:rPr lang="cs-CZ" dirty="0" smtClean="0"/>
+              <a:t>Teoreticky rychlejší, Python komunikuje pomaleji </a:t>
+            </a:r>
+            <a:endParaRPr lang="cs-CZ" dirty="0"/>
           </a:p>
         </p:txBody>
       </p:sp>
@@ -5964,6 +6273,209 @@
 </file>
 
 <file path=ppt/slides/slide4.xml><?xml version="1.0" encoding="utf-8"?>
+<p:sld xmlns:a="http://schemas.openxmlformats.org/drawingml/2006/main" xmlns:r="http://schemas.openxmlformats.org/officeDocument/2006/relationships" xmlns:p="http://schemas.openxmlformats.org/presentationml/2006/main">
+  <p:cSld>
+    <p:spTree>
+      <p:nvGrpSpPr>
+        <p:cNvPr id="1" name=""/>
+        <p:cNvGrpSpPr/>
+        <p:nvPr/>
+      </p:nvGrpSpPr>
+      <p:grpSpPr>
+        <a:xfrm>
+          <a:off x="0" y="0"/>
+          <a:ext cx="0" cy="0"/>
+          <a:chOff x="0" y="0"/>
+          <a:chExt cx="0" cy="0"/>
+        </a:xfrm>
+      </p:grpSpPr>
+      <p:pic>
+        <p:nvPicPr>
+          <p:cNvPr id="5" name="Obrázek 4" descr="python-logo.png"/>
+          <p:cNvPicPr>
+            <a:picLocks noChangeAspect="1"/>
+          </p:cNvPicPr>
+          <p:nvPr/>
+        </p:nvPicPr>
+        <p:blipFill>
+          <a:blip r:embed="rId2" cstate="print"/>
+          <a:stretch>
+            <a:fillRect/>
+          </a:stretch>
+        </p:blipFill>
+        <p:spPr>
+          <a:xfrm>
+            <a:off x="5076056" y="1700808"/>
+            <a:ext cx="2207387" cy="745590"/>
+          </a:xfrm>
+          <a:prstGeom prst="rect">
+            <a:avLst/>
+          </a:prstGeom>
+        </p:spPr>
+      </p:pic>
+      <p:sp>
+        <p:nvSpPr>
+          <p:cNvPr id="2" name="Nadpis 1"/>
+          <p:cNvSpPr>
+            <a:spLocks noGrp="1"/>
+          </p:cNvSpPr>
+          <p:nvPr>
+            <p:ph type="title"/>
+          </p:nvPr>
+        </p:nvSpPr>
+        <p:spPr/>
+        <p:txBody>
+          <a:bodyPr>
+            <a:normAutofit/>
+          </a:bodyPr>
+          <a:lstStyle/>
+          <a:p>
+            <a:r>
+              <a:rPr lang="cs-CZ" sz="5400" dirty="0" smtClean="0"/>
+              <a:t>Technologie</a:t>
+            </a:r>
+            <a:endParaRPr lang="cs-CZ" sz="5400" dirty="0"/>
+          </a:p>
+        </p:txBody>
+      </p:sp>
+      <p:sp>
+        <p:nvSpPr>
+          <p:cNvPr id="3" name="Zástupný symbol pro obsah 2"/>
+          <p:cNvSpPr>
+            <a:spLocks noGrp="1"/>
+          </p:cNvSpPr>
+          <p:nvPr>
+            <p:ph sz="quarter" idx="1"/>
+          </p:nvPr>
+        </p:nvSpPr>
+        <p:spPr/>
+        <p:txBody>
+          <a:bodyPr>
+            <a:normAutofit/>
+          </a:bodyPr>
+          <a:lstStyle/>
+          <a:p>
+            <a:r>
+              <a:rPr lang="cs-CZ" sz="3200" dirty="0" smtClean="0"/>
+              <a:t>Python</a:t>
+            </a:r>
+          </a:p>
+          <a:p>
+            <a:pPr lvl="1"/>
+            <a:r>
+              <a:rPr lang="cs-CZ" dirty="0" smtClean="0"/>
+              <a:t>Programovací jazyk</a:t>
+            </a:r>
+          </a:p>
+          <a:p>
+            <a:r>
+              <a:rPr lang="cs-CZ" sz="3200" dirty="0" smtClean="0"/>
+              <a:t>GDAL</a:t>
+            </a:r>
+          </a:p>
+          <a:p>
+            <a:pPr lvl="1"/>
+            <a:r>
+              <a:rPr lang="cs-CZ" dirty="0" smtClean="0"/>
+              <a:t>Knihovna pro čtení a zápis </a:t>
+            </a:r>
+            <a:r>
+              <a:rPr lang="cs-CZ" dirty="0" err="1" smtClean="0"/>
+              <a:t>geodat</a:t>
+            </a:r>
+            <a:endParaRPr lang="cs-CZ" dirty="0" smtClean="0"/>
+          </a:p>
+          <a:p>
+            <a:pPr lvl="1"/>
+            <a:r>
+              <a:rPr lang="cs-CZ" dirty="0" smtClean="0"/>
+              <a:t>Jazyk C++</a:t>
+            </a:r>
+          </a:p>
+          <a:p>
+            <a:r>
+              <a:rPr lang="cs-CZ" sz="3200" dirty="0" smtClean="0"/>
+              <a:t>QGIS</a:t>
+            </a:r>
+          </a:p>
+          <a:p>
+            <a:pPr lvl="1"/>
+            <a:r>
+              <a:rPr lang="cs-CZ" dirty="0" smtClean="0"/>
+              <a:t>Geografický informační systém, open </a:t>
+            </a:r>
+            <a:r>
+              <a:rPr lang="cs-CZ" dirty="0" err="1" smtClean="0"/>
+              <a:t>source</a:t>
+            </a:r>
+            <a:endParaRPr lang="cs-CZ" dirty="0"/>
+          </a:p>
+        </p:txBody>
+      </p:sp>
+      <p:pic>
+        <p:nvPicPr>
+          <p:cNvPr id="4" name="Obrázek 3" descr="gdal-logo.png"/>
+          <p:cNvPicPr>
+            <a:picLocks noChangeAspect="1"/>
+          </p:cNvPicPr>
+          <p:nvPr/>
+        </p:nvPicPr>
+        <p:blipFill>
+          <a:blip r:embed="rId3" cstate="print"/>
+          <a:stretch>
+            <a:fillRect/>
+          </a:stretch>
+        </p:blipFill>
+        <p:spPr>
+          <a:xfrm>
+            <a:off x="6876256" y="2636912"/>
+            <a:ext cx="1368152" cy="1511664"/>
+          </a:xfrm>
+          <a:prstGeom prst="rect">
+            <a:avLst/>
+          </a:prstGeom>
+        </p:spPr>
+      </p:pic>
+      <p:pic>
+        <p:nvPicPr>
+          <p:cNvPr id="6" name="Obrázek 5" descr="qgis-logo.jpg"/>
+          <p:cNvPicPr>
+            <a:picLocks noChangeAspect="1"/>
+          </p:cNvPicPr>
+          <p:nvPr/>
+        </p:nvPicPr>
+        <p:blipFill>
+          <a:blip r:embed="rId4" cstate="print"/>
+          <a:stretch>
+            <a:fillRect/>
+          </a:stretch>
+        </p:blipFill>
+        <p:spPr>
+          <a:xfrm>
+            <a:off x="6588224" y="4797152"/>
+            <a:ext cx="1015114" cy="1297308"/>
+          </a:xfrm>
+          <a:prstGeom prst="rect">
+            <a:avLst/>
+          </a:prstGeom>
+        </p:spPr>
+      </p:pic>
+    </p:spTree>
+  </p:cSld>
+  <p:clrMapOvr>
+    <a:masterClrMapping/>
+  </p:clrMapOvr>
+  <p:timing>
+    <p:tnLst>
+      <p:par>
+        <p:cTn id="1" dur="indefinite" restart="never" nodeType="tmRoot"/>
+      </p:par>
+    </p:tnLst>
+  </p:timing>
+</p:sld>
+</file>
+
+<file path=ppt/slides/slide5.xml><?xml version="1.0" encoding="utf-8"?>
 <p:sld xmlns:a="http://schemas.openxmlformats.org/drawingml/2006/main" xmlns:r="http://schemas.openxmlformats.org/officeDocument/2006/relationships" xmlns:p="http://schemas.openxmlformats.org/presentationml/2006/main">
   <p:cSld>
     <p:spTree>
@@ -6082,123 +6594,6 @@
 </p:sld>
 </file>
 
-<file path=ppt/slides/slide5.xml><?xml version="1.0" encoding="utf-8"?>
-<p:sld xmlns:a="http://schemas.openxmlformats.org/drawingml/2006/main" xmlns:r="http://schemas.openxmlformats.org/officeDocument/2006/relationships" xmlns:p="http://schemas.openxmlformats.org/presentationml/2006/main">
-  <p:cSld>
-    <p:spTree>
-      <p:nvGrpSpPr>
-        <p:cNvPr id="1" name=""/>
-        <p:cNvGrpSpPr/>
-        <p:nvPr/>
-      </p:nvGrpSpPr>
-      <p:grpSpPr>
-        <a:xfrm>
-          <a:off x="0" y="0"/>
-          <a:ext cx="0" cy="0"/>
-          <a:chOff x="0" y="0"/>
-          <a:chExt cx="0" cy="0"/>
-        </a:xfrm>
-      </p:grpSpPr>
-      <p:sp>
-        <p:nvSpPr>
-          <p:cNvPr id="2" name="Nadpis 1"/>
-          <p:cNvSpPr>
-            <a:spLocks noGrp="1"/>
-          </p:cNvSpPr>
-          <p:nvPr>
-            <p:ph type="title"/>
-          </p:nvPr>
-        </p:nvSpPr>
-        <p:spPr/>
-        <p:txBody>
-          <a:bodyPr>
-            <a:normAutofit/>
-          </a:bodyPr>
-          <a:lstStyle/>
-          <a:p>
-            <a:r>
-              <a:rPr lang="cs-CZ" sz="5400" dirty="0" smtClean="0"/>
-              <a:t>Knihovna </a:t>
-            </a:r>
-            <a:r>
-              <a:rPr lang="cs-CZ" sz="5400" dirty="0" err="1" smtClean="0"/>
-              <a:t>publicvfk</a:t>
-            </a:r>
-            <a:endParaRPr lang="cs-CZ" sz="5400" dirty="0"/>
-          </a:p>
-        </p:txBody>
-      </p:sp>
-      <p:sp>
-        <p:nvSpPr>
-          <p:cNvPr id="3" name="Zástupný symbol pro obsah 2"/>
-          <p:cNvSpPr>
-            <a:spLocks noGrp="1"/>
-          </p:cNvSpPr>
-          <p:nvPr>
-            <p:ph sz="quarter" idx="1"/>
-          </p:nvPr>
-        </p:nvSpPr>
-        <p:spPr/>
-        <p:txBody>
-          <a:bodyPr>
-            <a:normAutofit/>
-          </a:bodyPr>
-          <a:lstStyle/>
-          <a:p>
-            <a:pPr marL="514350" indent="-514350"/>
-            <a:r>
-              <a:rPr lang="cs-CZ" sz="3200" dirty="0" smtClean="0"/>
-              <a:t>Vytvořená knihovna</a:t>
-            </a:r>
-          </a:p>
-          <a:p>
-            <a:pPr marL="514350" indent="-514350"/>
-            <a:r>
-              <a:rPr lang="cs-CZ" sz="3200" dirty="0" smtClean="0"/>
-              <a:t>Zajišťuje sestavení geometrie parcel a budov</a:t>
-            </a:r>
-          </a:p>
-        </p:txBody>
-      </p:sp>
-      <p:pic>
-        <p:nvPicPr>
-          <p:cNvPr id="5" name="Obrázek 4" descr="Diagram_sestaveni_geometrie_hranic.png"/>
-          <p:cNvPicPr>
-            <a:picLocks noChangeAspect="1"/>
-          </p:cNvPicPr>
-          <p:nvPr/>
-        </p:nvPicPr>
-        <p:blipFill>
-          <a:blip r:embed="rId2" cstate="print"/>
-          <a:stretch>
-            <a:fillRect/>
-          </a:stretch>
-        </p:blipFill>
-        <p:spPr>
-          <a:xfrm>
-            <a:off x="2083224" y="2780928"/>
-            <a:ext cx="4977553" cy="3314013"/>
-          </a:xfrm>
-          <a:prstGeom prst="rect">
-            <a:avLst/>
-          </a:prstGeom>
-        </p:spPr>
-      </p:pic>
-    </p:spTree>
-  </p:cSld>
-  <p:clrMapOvr>
-    <a:masterClrMapping/>
-  </p:clrMapOvr>
-  <p:timing>
-    <p:tnLst>
-      <p:par>
-        <p:cTn id="1" dur="indefinite" restart="never" nodeType="tmRoot"/>
-      </p:par>
-    </p:tnLst>
-  </p:timing>
-</p:sld>
-</file>
-
 <file path=ppt/slides/slide6.xml><?xml version="1.0" encoding="utf-8"?>
 <p:sld xmlns:a="http://schemas.openxmlformats.org/drawingml/2006/main" xmlns:r="http://schemas.openxmlformats.org/officeDocument/2006/relationships" xmlns:p="http://schemas.openxmlformats.org/presentationml/2006/main">
   <p:cSld>
@@ -6216,6 +6611,30 @@
           <a:chExt cx="0" cy="0"/>
         </a:xfrm>
       </p:grpSpPr>
+      <p:pic>
+        <p:nvPicPr>
+          <p:cNvPr id="5" name="Obrázek 4" descr="Diagram_sestaveni_geometrie_hranic.png"/>
+          <p:cNvPicPr>
+            <a:picLocks noChangeAspect="1"/>
+          </p:cNvPicPr>
+          <p:nvPr/>
+        </p:nvPicPr>
+        <p:blipFill>
+          <a:blip r:embed="rId2" cstate="print"/>
+          <a:stretch>
+            <a:fillRect/>
+          </a:stretch>
+        </p:blipFill>
+        <p:spPr>
+          <a:xfrm>
+            <a:off x="2447764" y="3140968"/>
+            <a:ext cx="4650620" cy="3096344"/>
+          </a:xfrm>
+          <a:prstGeom prst="rect">
+            <a:avLst/>
+          </a:prstGeom>
+        </p:spPr>
+      </p:pic>
       <p:sp>
         <p:nvSpPr>
           <p:cNvPr id="2" name="Nadpis 1"/>
@@ -6235,7 +6654,7 @@
           <a:p>
             <a:r>
               <a:rPr lang="cs-CZ" sz="5400" dirty="0" smtClean="0"/>
-              <a:t>Integrace knihovny</a:t>
+              <a:t>Knihovna publicvfk</a:t>
             </a:r>
             <a:endParaRPr lang="cs-CZ" sz="5400" dirty="0"/>
           </a:p>
@@ -6258,17 +6677,27 @@
           </a:bodyPr>
           <a:lstStyle/>
           <a:p>
+            <a:pPr marL="514350" indent="-514350"/>
             <a:r>
               <a:rPr lang="cs-CZ" sz="3200" dirty="0" smtClean="0"/>
-              <a:t>Začlenění do kódu zásuvného modulu VFK Plugin</a:t>
-            </a:r>
-          </a:p>
-          <a:p>
+              <a:t>Vytvořená knihovna</a:t>
+            </a:r>
+          </a:p>
+          <a:p>
+            <a:pPr marL="514350" indent="-514350"/>
             <a:r>
               <a:rPr lang="cs-CZ" sz="3200" dirty="0" smtClean="0"/>
-              <a:t>Zajištění načítání obou typů dat</a:t>
-            </a:r>
-            <a:endParaRPr lang="cs-CZ" sz="3200" dirty="0"/>
+              <a:t>Rekonstrukce geometrie bloků </a:t>
+            </a:r>
+            <a:r>
+              <a:rPr lang="cs-CZ" sz="3200" dirty="0" smtClean="0"/>
+              <a:t>parcel a </a:t>
+            </a:r>
+            <a:r>
+              <a:rPr lang="cs-CZ" sz="3200" dirty="0" smtClean="0"/>
+              <a:t>budov (polygony)</a:t>
+            </a:r>
+            <a:endParaRPr lang="cs-CZ" sz="3200" dirty="0" smtClean="0"/>
           </a:p>
         </p:txBody>
       </p:sp>
@@ -6288,6 +6717,102 @@
 </file>
 
 <file path=ppt/slides/slide7.xml><?xml version="1.0" encoding="utf-8"?>
+<p:sld xmlns:a="http://schemas.openxmlformats.org/drawingml/2006/main" xmlns:r="http://schemas.openxmlformats.org/officeDocument/2006/relationships" xmlns:p="http://schemas.openxmlformats.org/presentationml/2006/main">
+  <p:cSld>
+    <p:spTree>
+      <p:nvGrpSpPr>
+        <p:cNvPr id="1" name=""/>
+        <p:cNvGrpSpPr/>
+        <p:nvPr/>
+      </p:nvGrpSpPr>
+      <p:grpSpPr>
+        <a:xfrm>
+          <a:off x="0" y="0"/>
+          <a:ext cx="0" cy="0"/>
+          <a:chOff x="0" y="0"/>
+          <a:chExt cx="0" cy="0"/>
+        </a:xfrm>
+      </p:grpSpPr>
+      <p:sp>
+        <p:nvSpPr>
+          <p:cNvPr id="2" name="Nadpis 1"/>
+          <p:cNvSpPr>
+            <a:spLocks noGrp="1"/>
+          </p:cNvSpPr>
+          <p:nvPr>
+            <p:ph type="title"/>
+          </p:nvPr>
+        </p:nvSpPr>
+        <p:spPr/>
+        <p:txBody>
+          <a:bodyPr>
+            <a:normAutofit/>
+          </a:bodyPr>
+          <a:lstStyle/>
+          <a:p>
+            <a:r>
+              <a:rPr lang="cs-CZ" sz="5400" dirty="0" smtClean="0"/>
+              <a:t>Integrace knihovny</a:t>
+            </a:r>
+            <a:endParaRPr lang="cs-CZ" sz="5400" dirty="0"/>
+          </a:p>
+        </p:txBody>
+      </p:sp>
+      <p:sp>
+        <p:nvSpPr>
+          <p:cNvPr id="3" name="Zástupný symbol pro obsah 2"/>
+          <p:cNvSpPr>
+            <a:spLocks noGrp="1"/>
+          </p:cNvSpPr>
+          <p:nvPr>
+            <p:ph sz="quarter" idx="1"/>
+          </p:nvPr>
+        </p:nvSpPr>
+        <p:spPr/>
+        <p:txBody>
+          <a:bodyPr>
+            <a:normAutofit/>
+          </a:bodyPr>
+          <a:lstStyle/>
+          <a:p>
+            <a:r>
+              <a:rPr lang="cs-CZ" sz="3200" dirty="0" smtClean="0"/>
+              <a:t>Začlenění do kódu zásuvného modulu VFK Plugin</a:t>
+            </a:r>
+          </a:p>
+          <a:p>
+            <a:r>
+              <a:rPr lang="cs-CZ" sz="3200" dirty="0" smtClean="0"/>
+              <a:t>Zajištění načítání obou </a:t>
+            </a:r>
+            <a:r>
+              <a:rPr lang="cs-CZ" sz="3200" smtClean="0"/>
+              <a:t>typů </a:t>
+            </a:r>
+            <a:r>
+              <a:rPr lang="cs-CZ" sz="3200" smtClean="0"/>
+              <a:t>dat</a:t>
+            </a:r>
+            <a:endParaRPr lang="cs-CZ" sz="3200" dirty="0"/>
+          </a:p>
+        </p:txBody>
+      </p:sp>
+    </p:spTree>
+  </p:cSld>
+  <p:clrMapOvr>
+    <a:masterClrMapping/>
+  </p:clrMapOvr>
+  <p:timing>
+    <p:tnLst>
+      <p:par>
+        <p:cTn id="1" dur="indefinite" restart="never" nodeType="tmRoot"/>
+      </p:par>
+    </p:tnLst>
+  </p:timing>
+</p:sld>
+</file>
+
+<file path=ppt/slides/slide8.xml><?xml version="1.0" encoding="utf-8"?>
 <p:sld xmlns:a="http://schemas.openxmlformats.org/drawingml/2006/main" xmlns:r="http://schemas.openxmlformats.org/officeDocument/2006/relationships" xmlns:p="http://schemas.openxmlformats.org/presentationml/2006/main">
   <p:cSld>
     <p:spTree>
@@ -6407,104 +6932,6 @@
 </p:sld>
 </file>
 
-<file path=ppt/slides/slide8.xml><?xml version="1.0" encoding="utf-8"?>
-<p:sld xmlns:a="http://schemas.openxmlformats.org/drawingml/2006/main" xmlns:r="http://schemas.openxmlformats.org/officeDocument/2006/relationships" xmlns:p="http://schemas.openxmlformats.org/presentationml/2006/main">
-  <p:cSld>
-    <p:spTree>
-      <p:nvGrpSpPr>
-        <p:cNvPr id="1" name=""/>
-        <p:cNvGrpSpPr/>
-        <p:nvPr/>
-      </p:nvGrpSpPr>
-      <p:grpSpPr>
-        <a:xfrm>
-          <a:off x="0" y="0"/>
-          <a:ext cx="0" cy="0"/>
-          <a:chOff x="0" y="0"/>
-          <a:chExt cx="0" cy="0"/>
-        </a:xfrm>
-      </p:grpSpPr>
-      <p:sp>
-        <p:nvSpPr>
-          <p:cNvPr id="2" name="Nadpis 1"/>
-          <p:cNvSpPr>
-            <a:spLocks noGrp="1"/>
-          </p:cNvSpPr>
-          <p:nvPr>
-            <p:ph type="title"/>
-          </p:nvPr>
-        </p:nvSpPr>
-        <p:spPr/>
-        <p:txBody>
-          <a:bodyPr>
-            <a:normAutofit/>
-          </a:bodyPr>
-          <a:lstStyle/>
-          <a:p>
-            <a:r>
-              <a:rPr lang="cs-CZ" sz="5400" dirty="0" smtClean="0"/>
-              <a:t>1)Načítání VFK driverem</a:t>
-            </a:r>
-            <a:endParaRPr lang="cs-CZ" sz="5400" dirty="0"/>
-          </a:p>
-        </p:txBody>
-      </p:sp>
-      <p:sp>
-        <p:nvSpPr>
-          <p:cNvPr id="3" name="Zástupný symbol pro obsah 2"/>
-          <p:cNvSpPr>
-            <a:spLocks noGrp="1"/>
-          </p:cNvSpPr>
-          <p:nvPr>
-            <p:ph sz="quarter" idx="1"/>
-          </p:nvPr>
-        </p:nvSpPr>
-        <p:spPr/>
-        <p:txBody>
-          <a:bodyPr>
-            <a:normAutofit/>
-          </a:bodyPr>
-          <a:lstStyle/>
-          <a:p>
-            <a:r>
-              <a:rPr lang="cs-CZ" sz="3200" dirty="0" smtClean="0"/>
-              <a:t>První načtení trvá déle</a:t>
-            </a:r>
-            <a:endParaRPr lang="en-US" sz="3200" dirty="0" smtClean="0"/>
-          </a:p>
-          <a:p>
-            <a:pPr lvl="1">
-              <a:buFont typeface="Wingdings" pitchFamily="2" charset="2"/>
-              <a:buChar char="Ø"/>
-            </a:pPr>
-            <a:r>
-              <a:rPr lang="cs-CZ" dirty="0" smtClean="0"/>
-              <a:t>Vzniká SQLite databáze s daty</a:t>
-            </a:r>
-          </a:p>
-          <a:p>
-            <a:r>
-              <a:rPr lang="cs-CZ" sz="3200" dirty="0" smtClean="0"/>
-              <a:t>Následující načtení výrazně rychlejší</a:t>
-            </a:r>
-          </a:p>
-        </p:txBody>
-      </p:sp>
-    </p:spTree>
-  </p:cSld>
-  <p:clrMapOvr>
-    <a:masterClrMapping/>
-  </p:clrMapOvr>
-  <p:timing>
-    <p:tnLst>
-      <p:par>
-        <p:cTn id="1" dur="indefinite" restart="never" nodeType="tmRoot"/>
-      </p:par>
-    </p:tnLst>
-  </p:timing>
-</p:sld>
-</file>
-
 <file path=ppt/slides/slide9.xml><?xml version="1.0" encoding="utf-8"?>
 <p:sld xmlns:a="http://schemas.openxmlformats.org/drawingml/2006/main" xmlns:r="http://schemas.openxmlformats.org/officeDocument/2006/relationships" xmlns:p="http://schemas.openxmlformats.org/presentationml/2006/main">
   <p:cSld>
@@ -6541,7 +6968,7 @@
           <a:p>
             <a:r>
               <a:rPr lang="cs-CZ" sz="5400" dirty="0" smtClean="0"/>
-              <a:t>2)Sestavování geometrie</a:t>
+              <a:t>1)Načítání VFK driverem</a:t>
             </a:r>
             <a:endParaRPr lang="cs-CZ" sz="5400" dirty="0"/>
           </a:p>
@@ -6559,39 +6986,32 @@
         </p:nvSpPr>
         <p:spPr/>
         <p:txBody>
-          <a:bodyPr/>
+          <a:bodyPr>
+            <a:normAutofit/>
+          </a:bodyPr>
           <a:lstStyle/>
           <a:p>
             <a:r>
               <a:rPr lang="cs-CZ" sz="3200" dirty="0" smtClean="0"/>
-              <a:t>Pro bloky parcel a budov</a:t>
+              <a:t>První načtení trvá déle</a:t>
+            </a:r>
+            <a:endParaRPr lang="en-US" sz="3200" dirty="0" smtClean="0"/>
+          </a:p>
+          <a:p>
+            <a:pPr lvl="1">
+              <a:buFont typeface="Wingdings" pitchFamily="2" charset="2"/>
+              <a:buChar char="Ø"/>
+            </a:pPr>
+            <a:r>
+              <a:rPr lang="cs-CZ" dirty="0" smtClean="0"/>
+              <a:t>Vzniká SQLite databáze s daty</a:t>
             </a:r>
           </a:p>
           <a:p>
             <a:r>
               <a:rPr lang="cs-CZ" sz="3200" dirty="0" smtClean="0"/>
-              <a:t>Uložení do databáze</a:t>
-            </a:r>
-          </a:p>
-          <a:p>
-            <a:r>
-              <a:rPr lang="cs-CZ" sz="3200" dirty="0" smtClean="0"/>
-              <a:t>Probíhá pouze pro veřejně poskytovaná </a:t>
-            </a:r>
-            <a:r>
-              <a:rPr lang="cs-CZ" sz="3200" dirty="0" smtClean="0"/>
-              <a:t>data</a:t>
-            </a:r>
-          </a:p>
-          <a:p>
-            <a:r>
-              <a:rPr lang="cs-CZ" sz="3200" dirty="0" smtClean="0"/>
-              <a:t>Pro rozsáhlejší území pomalé</a:t>
-            </a:r>
-            <a:endParaRPr lang="cs-CZ" sz="3200" dirty="0" smtClean="0"/>
-          </a:p>
-          <a:p>
-            <a:endParaRPr lang="cs-CZ" sz="3200" dirty="0" smtClean="0"/>
+              <a:t>Následující načtení výrazně rychlejší</a:t>
+            </a:r>
           </a:p>
         </p:txBody>
       </p:sp>
